--- a/device_model/cryptoauthtrustplatform_hr9-1.pptx
+++ b/device_model/cryptoauthtrustplatform_hr9-1.pptx
@@ -197,7 +197,7 @@
           <a:p>
             <a:fld id="{FD501506-38D8-4E22-82D3-5FD4ADAE0670}" type="datetimeFigureOut">
               <a:rPr lang="en-US" smtClean="0"/>
-              <a:t>4/20/2023</a:t>
+              <a:t>4/21/23</a:t>
             </a:fld>
             <a:endParaRPr lang="en-US"/>
           </a:p>
@@ -649,7 +649,7 @@
           <a:p>
             <a:fld id="{3620004A-883C-4245-985B-D234050ABC20}" type="datetimeFigureOut">
               <a:rPr lang="en-US" smtClean="0"/>
-              <a:t>4/20/2023</a:t>
+              <a:t>4/21/23</a:t>
             </a:fld>
             <a:endParaRPr lang="en-US"/>
           </a:p>
@@ -2611,7 +2611,7 @@
           <a:p>
             <a:fld id="{3620004A-883C-4245-985B-D234050ABC20}" type="datetimeFigureOut">
               <a:rPr lang="en-US" smtClean="0"/>
-              <a:t>4/20/2023</a:t>
+              <a:t>4/21/23</a:t>
             </a:fld>
             <a:endParaRPr lang="en-US"/>
           </a:p>
@@ -3167,14 +3167,14 @@
           <p:nvPr>
             <p:extLst>
               <p:ext uri="{D42A27DB-BD31-4B8C-83A1-F6EECF244321}">
-                <p14:modId xmlns:p14="http://schemas.microsoft.com/office/powerpoint/2010/main" val="2836399793"/>
+                <p14:modId xmlns:p14="http://schemas.microsoft.com/office/powerpoint/2010/main" val="4034118480"/>
               </p:ext>
             </p:extLst>
           </p:nvPr>
         </p:nvGraphicFramePr>
         <p:xfrm>
           <a:off x="226243" y="1467501"/>
-          <a:ext cx="8691514" cy="3589898"/>
+          <a:ext cx="8691514" cy="4693920"/>
         </p:xfrm>
         <a:graphic>
           <a:graphicData uri="http://schemas.openxmlformats.org/drawingml/2006/table">
@@ -3183,28 +3183,28 @@
                 <a:tableStyleId>{5C22544A-7EE6-4342-B048-85BDC9FD1C3A}</a:tableStyleId>
               </a:tblPr>
               <a:tblGrid>
-                <a:gridCol w="1807446">
+                <a:gridCol w="1108571">
                   <a:extLst>
                     <a:ext uri="{9D8B030D-6E8A-4147-A177-3AD203B41FA5}">
                       <a16:colId xmlns:a16="http://schemas.microsoft.com/office/drawing/2014/main" val="3040698246"/>
                     </a:ext>
                   </a:extLst>
                 </a:gridCol>
-                <a:gridCol w="1775511">
+                <a:gridCol w="1618593">
                   <a:extLst>
                     <a:ext uri="{9D8B030D-6E8A-4147-A177-3AD203B41FA5}">
                       <a16:colId xmlns:a16="http://schemas.microsoft.com/office/drawing/2014/main" val="3793656128"/>
                     </a:ext>
                   </a:extLst>
                 </a:gridCol>
-                <a:gridCol w="958358">
+                <a:gridCol w="882869">
                   <a:extLst>
                     <a:ext uri="{9D8B030D-6E8A-4147-A177-3AD203B41FA5}">
                       <a16:colId xmlns:a16="http://schemas.microsoft.com/office/drawing/2014/main" val="4152533886"/>
                     </a:ext>
                   </a:extLst>
                 </a:gridCol>
-                <a:gridCol w="4150199">
+                <a:gridCol w="5081481">
                   <a:extLst>
                     <a:ext uri="{9D8B030D-6E8A-4147-A177-3AD203B41FA5}">
                       <a16:colId xmlns:a16="http://schemas.microsoft.com/office/drawing/2014/main" val="2548948971"/>
@@ -3571,7 +3571,7 @@
                           <a:latin typeface="Courier New" panose="02070309020205020404" pitchFamily="49" charset="0"/>
                           <a:cs typeface="Courier New" panose="02070309020205020404" pitchFamily="49" charset="0"/>
                         </a:rPr>
-                        <a:t>”:{ reported: {“</a:t>
+                        <a:t>”:{“ac”:200,“av”:9876543210, “</a:t>
                       </a:r>
                       <a:r>
                         <a:rPr lang="en-US" sz="1100" dirty="0" err="1">
@@ -3581,7 +3581,7 @@
                           <a:latin typeface="Courier New" panose="02070309020205020404" pitchFamily="49" charset="0"/>
                           <a:cs typeface="Courier New" panose="02070309020205020404" pitchFamily="49" charset="0"/>
                         </a:rPr>
-                        <a:t>value”:”TEST</a:t>
+                        <a:t>ad”:“accepted”,“value”:“Shan</a:t>
                       </a:r>
                       <a:r>
                         <a:rPr lang="en-US" sz="1100" dirty="0">
@@ -3603,7 +3603,7 @@
                   </a:ext>
                 </a:extLst>
               </a:tr>
-              <a:tr h="401939">
+              <a:tr h="327666">
                 <a:tc>
                   <a:txBody>
                     <a:bodyPr/>
@@ -3824,7 +3824,7 @@
                         <a:defRPr/>
                       </a:pPr>
                       <a:r>
-                        <a:rPr lang="en-US" sz="1100" dirty="0">
+                        <a:rPr lang="en-US" sz="1200" dirty="0">
                           <a:solidFill>
                             <a:schemeClr val="tx1"/>
                           </a:solidFill>
@@ -3834,7 +3834,7 @@
                         <a:t>{“</a:t>
                       </a:r>
                       <a:r>
-                        <a:rPr lang="en-US" sz="1100" dirty="0" err="1">
+                        <a:rPr lang="en-US" sz="1200" dirty="0" err="1">
                           <a:solidFill>
                             <a:schemeClr val="tx1"/>
                           </a:solidFill>
@@ -3844,14 +3844,14 @@
                         <a:t>debugLevel</a:t>
                       </a:r>
                       <a:r>
-                        <a:rPr lang="en-US" sz="1100" dirty="0">
+                        <a:rPr lang="en-US" sz="1200" dirty="0">
                           <a:solidFill>
                             <a:schemeClr val="tx1"/>
                           </a:solidFill>
                           <a:latin typeface="Courier New" panose="02070309020205020404" pitchFamily="49" charset="0"/>
                           <a:cs typeface="Courier New" panose="02070309020205020404" pitchFamily="49" charset="0"/>
                         </a:rPr>
-                        <a:t>”:{ reported: {“value”:4}}</a:t>
+                        <a:t>”:{“ac”:200,“av”:11,“ad”:“OK”,“value”:4}}</a:t>
                       </a:r>
                     </a:p>
                   </a:txBody>
@@ -4007,16 +4007,6 @@
                         <a:t>ledStatus</a:t>
                       </a:r>
                       <a:r>
-                        <a:rPr lang="en-US" sz="1200">
-                          <a:solidFill>
-                            <a:schemeClr val="tx1"/>
-                          </a:solidFill>
-                          <a:latin typeface="Courier New" panose="02070309020205020404" pitchFamily="49" charset="0"/>
-                          <a:cs typeface="Courier New" panose="02070309020205020404" pitchFamily="49" charset="0"/>
-                        </a:rPr>
-                        <a:t>”:{ </a:t>
-                      </a:r>
-                      <a:r>
                         <a:rPr lang="en-US" sz="1200" dirty="0">
                           <a:solidFill>
                             <a:schemeClr val="tx1"/>
@@ -4024,25 +4014,8 @@
                           <a:latin typeface="Courier New" panose="02070309020205020404" pitchFamily="49" charset="0"/>
                           <a:cs typeface="Courier New" panose="02070309020205020404" pitchFamily="49" charset="0"/>
                         </a:rPr>
-                        <a:t>reported: {“</a:t>
+                        <a:t>”:{“ac”:200,“av”:22,“ad”:“OK”,“value”:1}}</a:t>
                       </a:r>
-                      <a:r>
-                        <a:rPr lang="en-US" sz="1200">
-                          <a:solidFill>
-                            <a:schemeClr val="tx1"/>
-                          </a:solidFill>
-                          <a:latin typeface="Courier New" panose="02070309020205020404" pitchFamily="49" charset="0"/>
-                          <a:cs typeface="Courier New" panose="02070309020205020404" pitchFamily="49" charset="0"/>
-                        </a:rPr>
-                        <a:t>value”:1}}</a:t>
-                      </a:r>
-                      <a:endParaRPr lang="en-US" sz="1200" dirty="0">
-                        <a:solidFill>
-                          <a:schemeClr val="tx1"/>
-                        </a:solidFill>
-                        <a:latin typeface="Courier New" panose="02070309020205020404" pitchFamily="49" charset="0"/>
-                        <a:cs typeface="Courier New" panose="02070309020205020404" pitchFamily="49" charset="0"/>
-                      </a:endParaRPr>
                     </a:p>
                   </a:txBody>
                   <a:tcPr/>
@@ -4107,7 +4080,7 @@
                         <a:defRPr/>
                       </a:pPr>
                       <a:r>
-                        <a:rPr lang="en-US" sz="1200" dirty="0" err="1">
+                        <a:rPr lang="en-US" sz="1100" dirty="0" err="1">
                           <a:solidFill>
                             <a:schemeClr val="tx1"/>
                           </a:solidFill>
@@ -4116,7 +4089,7 @@
                         </a:rPr>
                         <a:t>telemetryInterval</a:t>
                       </a:r>
-                      <a:endParaRPr lang="en-US" sz="1200" dirty="0">
+                      <a:endParaRPr lang="en-US" sz="1100" dirty="0">
                         <a:solidFill>
                           <a:schemeClr val="tx1"/>
                         </a:solidFill>
@@ -4213,7 +4186,7 @@
                           <a:latin typeface="Courier New" panose="02070309020205020404" pitchFamily="49" charset="0"/>
                           <a:cs typeface="Courier New" panose="02070309020205020404" pitchFamily="49" charset="0"/>
                         </a:rPr>
-                        <a:t>”:{“ac”:200,“av”:55, “ad”:“OK”,“value”:10}}</a:t>
+                        <a:t>”:{“ac”:200,“av”:531902766, “ad”:“confirmed”,“value”:10}}</a:t>
                       </a:r>
                     </a:p>
                   </a:txBody>
@@ -4342,7 +4315,7 @@
                           <a:latin typeface="Courier New" panose="02070309020205020404" pitchFamily="49" charset="0"/>
                           <a:cs typeface="Courier New" panose="02070309020205020404" pitchFamily="49" charset="0"/>
                         </a:rPr>
-                        <a:t>{“payload”:{“delay”:“PT5S”}}</a:t>
+                        <a:t>{“delay”:“PT5S”}</a:t>
                       </a:r>
                     </a:p>
                   </a:txBody>
@@ -4487,7 +4460,7 @@
                           <a:latin typeface="Courier New" panose="02070309020205020404" pitchFamily="49" charset="0"/>
                           <a:cs typeface="Courier New" panose="02070309020205020404" pitchFamily="49" charset="0"/>
                         </a:rPr>
-                        <a:t>{“response”:{“status”:“success”,“delay”:5}}</a:t>
+                        <a:t>{“status”:“success”,“delay”:5}</a:t>
                       </a:r>
                     </a:p>
                   </a:txBody>
@@ -4639,7 +4612,7 @@
                           <a:latin typeface="Courier New" panose="02070309020205020404" pitchFamily="49" charset="0"/>
                           <a:cs typeface="Courier New" panose="02070309020205020404" pitchFamily="49" charset="0"/>
                         </a:rPr>
-                        <a:t>{“payload”:{“</a:t>
+                        <a:t>{“</a:t>
                       </a:r>
                       <a:r>
                         <a:rPr lang="en-US" sz="1200" dirty="0" err="1">
@@ -4659,7 +4632,7 @@
                           <a:latin typeface="Courier New" panose="02070309020205020404" pitchFamily="49" charset="0"/>
                           <a:cs typeface="Courier New" panose="02070309020205020404" pitchFamily="49" charset="0"/>
                         </a:rPr>
-                        <a:t>”:“Hello World!!!”}}</a:t>
+                        <a:t>”:“Hello World!!!”}</a:t>
                       </a:r>
                     </a:p>
                   </a:txBody>
@@ -4811,7 +4784,7 @@
                           <a:latin typeface="Courier New" panose="02070309020205020404" pitchFamily="49" charset="0"/>
                           <a:cs typeface="Courier New" panose="02070309020205020404" pitchFamily="49" charset="0"/>
                         </a:rPr>
-                        <a:t>{“response”:{“</a:t>
+                        <a:t>{“</a:t>
                       </a:r>
                       <a:r>
                         <a:rPr lang="en-US" sz="1200" dirty="0" err="1">
@@ -4821,7 +4794,7 @@
                           <a:latin typeface="Courier New" panose="02070309020205020404" pitchFamily="49" charset="0"/>
                           <a:cs typeface="Courier New" panose="02070309020205020404" pitchFamily="49" charset="0"/>
                         </a:rPr>
-                        <a:t>status”:“success</a:t>
+                        <a:t>status”:“success”,“echo”:“Hello</a:t>
                       </a:r>
                       <a:r>
                         <a:rPr lang="en-US" sz="1200" dirty="0">
@@ -4831,7 +4804,7 @@
                           <a:latin typeface="Courier New" panose="02070309020205020404" pitchFamily="49" charset="0"/>
                           <a:cs typeface="Courier New" panose="02070309020205020404" pitchFamily="49" charset="0"/>
                         </a:rPr>
-                        <a:t>”}}</a:t>
+                        <a:t> World!!!”}</a:t>
                       </a:r>
                     </a:p>
                   </a:txBody>
@@ -5874,21 +5847,6 @@
 </file>
 
 <file path=customXml/item1.xml><?xml version="1.0" encoding="utf-8"?>
-<?mso-contentType ?>
-<FormTemplates xmlns="http://schemas.microsoft.com/sharepoint/v3/contenttype/forms">
-  <Display>DocumentLibraryForm</Display>
-  <Edit>DocumentLibraryForm</Edit>
-  <New>DocumentLibraryForm</New>
-</FormTemplates>
-</file>
-
-<file path=customXml/item2.xml><?xml version="1.0" encoding="utf-8"?>
-<p:properties xmlns:p="http://schemas.microsoft.com/office/2006/metadata/properties" xmlns:xsi="http://www.w3.org/2001/XMLSchema-instance" xmlns:pc="http://schemas.microsoft.com/office/infopath/2007/PartnerControls">
-  <documentManagement/>
-</p:properties>
-</file>
-
-<file path=customXml/item3.xml><?xml version="1.0" encoding="utf-8"?>
 <ct:contentTypeSchema xmlns:ct="http://schemas.microsoft.com/office/2006/metadata/contentType" xmlns:ma="http://schemas.microsoft.com/office/2006/metadata/properties/metaAttributes" ct:_="" ma:_="" ma:contentTypeName="Document" ma:contentTypeID="0x0101001135B09F5E8A37439943A0D179E8D8F8" ma:contentTypeVersion="8" ma:contentTypeDescription="Create a new document." ma:contentTypeScope="" ma:versionID="ee8a580316899bb343991d78fa97996e">
   <xsd:schema xmlns:xsd="http://www.w3.org/2001/XMLSchema" xmlns:xs="http://www.w3.org/2001/XMLSchema" xmlns:p="http://schemas.microsoft.com/office/2006/metadata/properties" xmlns:ns2="fa83697a-01db-49a0-83aa-08966d365c68" xmlns:ns3="347e6746-a609-4dfd-bec0-5ddb48c7c195" targetNamespace="http://schemas.microsoft.com/office/2006/metadata/properties" ma:root="true" ma:fieldsID="c873af34ae692b7967cdc35575124352" ns2:_="" ns3:_="">
     <xsd:import namespace="fa83697a-01db-49a0-83aa-08966d365c68"/>
@@ -6077,32 +6035,22 @@
 </ct:contentTypeSchema>
 </file>
 
-<file path=customXml/itemProps1.xml><?xml version="1.0" encoding="utf-8"?>
-<ds:datastoreItem xmlns:ds="http://schemas.openxmlformats.org/officeDocument/2006/customXml" ds:itemID="{DA8BEAEE-6B1D-4561-8298-B3692BAE161A}">
-  <ds:schemaRefs>
-    <ds:schemaRef ds:uri="http://schemas.microsoft.com/sharepoint/v3/contenttype/forms"/>
-  </ds:schemaRefs>
-</ds:datastoreItem>
+<file path=customXml/item2.xml><?xml version="1.0" encoding="utf-8"?>
+<?mso-contentType ?>
+<FormTemplates xmlns="http://schemas.microsoft.com/sharepoint/v3/contenttype/forms">
+  <Display>DocumentLibraryForm</Display>
+  <Edit>DocumentLibraryForm</Edit>
+  <New>DocumentLibraryForm</New>
+</FormTemplates>
 </file>
 
-<file path=customXml/itemProps2.xml><?xml version="1.0" encoding="utf-8"?>
-<ds:datastoreItem xmlns:ds="http://schemas.openxmlformats.org/officeDocument/2006/customXml" ds:itemID="{78B32717-00CD-49A3-9BD6-E41AC731BACE}">
-  <ds:schemaRefs>
-    <ds:schemaRef ds:uri="http://schemas.openxmlformats.org/package/2006/metadata/core-properties"/>
-    <ds:schemaRef ds:uri="http://schemas.microsoft.com/office/2006/documentManagement/types"/>
-    <ds:schemaRef ds:uri="http://schemas.microsoft.com/office/2006/metadata/properties"/>
-    <ds:schemaRef ds:uri="347e6746-a609-4dfd-bec0-5ddb48c7c195"/>
-    <ds:schemaRef ds:uri="http://www.w3.org/XML/1998/namespace"/>
-    <ds:schemaRef ds:uri="http://purl.org/dc/terms/"/>
-    <ds:schemaRef ds:uri="http://purl.org/dc/elements/1.1/"/>
-    <ds:schemaRef ds:uri="http://schemas.microsoft.com/office/infopath/2007/PartnerControls"/>
-    <ds:schemaRef ds:uri="fa83697a-01db-49a0-83aa-08966d365c68"/>
-    <ds:schemaRef ds:uri="http://purl.org/dc/dcmitype/"/>
-  </ds:schemaRefs>
-</ds:datastoreItem>
+<file path=customXml/item3.xml><?xml version="1.0" encoding="utf-8"?>
+<p:properties xmlns:p="http://schemas.microsoft.com/office/2006/metadata/properties" xmlns:xsi="http://www.w3.org/2001/XMLSchema-instance" xmlns:pc="http://schemas.microsoft.com/office/infopath/2007/PartnerControls">
+  <documentManagement/>
+</p:properties>
 </file>
 
-<file path=customXml/itemProps3.xml><?xml version="1.0" encoding="utf-8"?>
+<file path=customXml/itemProps1.xml><?xml version="1.0" encoding="utf-8"?>
 <ds:datastoreItem xmlns:ds="http://schemas.openxmlformats.org/officeDocument/2006/customXml" ds:itemID="{32F21E3A-A895-47D3-8657-92B8B7F3D103}">
   <ds:schemaRefs>
     <ds:schemaRef ds:uri="347e6746-a609-4dfd-bec0-5ddb48c7c195"/>
@@ -6119,4 +6067,29 @@
     <ds:schemaRef ds:uri="http://www.w3.org/2001/XMLSchema"/>
   </ds:schemaRefs>
 </ds:datastoreItem>
+</file>
+
+<file path=customXml/itemProps2.xml><?xml version="1.0" encoding="utf-8"?>
+<ds:datastoreItem xmlns:ds="http://schemas.openxmlformats.org/officeDocument/2006/customXml" ds:itemID="{DA8BEAEE-6B1D-4561-8298-B3692BAE161A}">
+  <ds:schemaRefs>
+    <ds:schemaRef ds:uri="http://schemas.microsoft.com/sharepoint/v3/contenttype/forms"/>
+  </ds:schemaRefs>
+</ds:datastoreItem>
+</file>
+
+<file path=customXml/itemProps3.xml><?xml version="1.0" encoding="utf-8"?>
+<ds:datastoreItem xmlns:ds="http://schemas.openxmlformats.org/officeDocument/2006/customXml" ds:itemID="{78B32717-00CD-49A3-9BD6-E41AC731BACE}">
+  <ds:schemaRefs>
+    <ds:schemaRef ds:uri="http://schemas.openxmlformats.org/package/2006/metadata/core-properties"/>
+    <ds:schemaRef ds:uri="http://schemas.microsoft.com/office/2006/documentManagement/types"/>
+    <ds:schemaRef ds:uri="http://schemas.microsoft.com/office/2006/metadata/properties"/>
+    <ds:schemaRef ds:uri="347e6746-a609-4dfd-bec0-5ddb48c7c195"/>
+    <ds:schemaRef ds:uri="http://www.w3.org/XML/1998/namespace"/>
+    <ds:schemaRef ds:uri="http://purl.org/dc/terms/"/>
+    <ds:schemaRef ds:uri="http://purl.org/dc/elements/1.1/"/>
+    <ds:schemaRef ds:uri="http://schemas.microsoft.com/office/infopath/2007/PartnerControls"/>
+    <ds:schemaRef ds:uri="fa83697a-01db-49a0-83aa-08966d365c68"/>
+    <ds:schemaRef ds:uri="http://purl.org/dc/dcmitype/"/>
+  </ds:schemaRefs>
+</ds:datastoreItem>
 </file>